--- a/Computational books& papers/cuda.pptx
+++ b/Computational books& papers/cuda.pptx
@@ -262,7 +262,7 @@
           <a:p>
             <a:fld id="{750C0A36-AB0E-41AD-8A0A-B030B5844F46}" type="datetimeFigureOut">
               <a:rPr lang="en-US" smtClean="0"/>
-              <a:t>12/10/2019</a:t>
+              <a:t>12/16/2019</a:t>
             </a:fld>
             <a:endParaRPr lang="en-US"/>
           </a:p>
@@ -460,7 +460,7 @@
           <a:p>
             <a:fld id="{750C0A36-AB0E-41AD-8A0A-B030B5844F46}" type="datetimeFigureOut">
               <a:rPr lang="en-US" smtClean="0"/>
-              <a:t>12/10/2019</a:t>
+              <a:t>12/16/2019</a:t>
             </a:fld>
             <a:endParaRPr lang="en-US"/>
           </a:p>
@@ -668,7 +668,7 @@
           <a:p>
             <a:fld id="{750C0A36-AB0E-41AD-8A0A-B030B5844F46}" type="datetimeFigureOut">
               <a:rPr lang="en-US" smtClean="0"/>
-              <a:t>12/10/2019</a:t>
+              <a:t>12/16/2019</a:t>
             </a:fld>
             <a:endParaRPr lang="en-US"/>
           </a:p>
@@ -866,7 +866,7 @@
           <a:p>
             <a:fld id="{750C0A36-AB0E-41AD-8A0A-B030B5844F46}" type="datetimeFigureOut">
               <a:rPr lang="en-US" smtClean="0"/>
-              <a:t>12/10/2019</a:t>
+              <a:t>12/16/2019</a:t>
             </a:fld>
             <a:endParaRPr lang="en-US"/>
           </a:p>
@@ -1141,7 +1141,7 @@
           <a:p>
             <a:fld id="{750C0A36-AB0E-41AD-8A0A-B030B5844F46}" type="datetimeFigureOut">
               <a:rPr lang="en-US" smtClean="0"/>
-              <a:t>12/10/2019</a:t>
+              <a:t>12/16/2019</a:t>
             </a:fld>
             <a:endParaRPr lang="en-US"/>
           </a:p>
@@ -1406,7 +1406,7 @@
           <a:p>
             <a:fld id="{750C0A36-AB0E-41AD-8A0A-B030B5844F46}" type="datetimeFigureOut">
               <a:rPr lang="en-US" smtClean="0"/>
-              <a:t>12/10/2019</a:t>
+              <a:t>12/16/2019</a:t>
             </a:fld>
             <a:endParaRPr lang="en-US"/>
           </a:p>
@@ -1818,7 +1818,7 @@
           <a:p>
             <a:fld id="{750C0A36-AB0E-41AD-8A0A-B030B5844F46}" type="datetimeFigureOut">
               <a:rPr lang="en-US" smtClean="0"/>
-              <a:t>12/10/2019</a:t>
+              <a:t>12/16/2019</a:t>
             </a:fld>
             <a:endParaRPr lang="en-US"/>
           </a:p>
@@ -1959,7 +1959,7 @@
           <a:p>
             <a:fld id="{750C0A36-AB0E-41AD-8A0A-B030B5844F46}" type="datetimeFigureOut">
               <a:rPr lang="en-US" smtClean="0"/>
-              <a:t>12/10/2019</a:t>
+              <a:t>12/16/2019</a:t>
             </a:fld>
             <a:endParaRPr lang="en-US"/>
           </a:p>
@@ -2072,7 +2072,7 @@
           <a:p>
             <a:fld id="{750C0A36-AB0E-41AD-8A0A-B030B5844F46}" type="datetimeFigureOut">
               <a:rPr lang="en-US" smtClean="0"/>
-              <a:t>12/10/2019</a:t>
+              <a:t>12/16/2019</a:t>
             </a:fld>
             <a:endParaRPr lang="en-US"/>
           </a:p>
@@ -2383,7 +2383,7 @@
           <a:p>
             <a:fld id="{750C0A36-AB0E-41AD-8A0A-B030B5844F46}" type="datetimeFigureOut">
               <a:rPr lang="en-US" smtClean="0"/>
-              <a:t>12/10/2019</a:t>
+              <a:t>12/16/2019</a:t>
             </a:fld>
             <a:endParaRPr lang="en-US"/>
           </a:p>
@@ -2671,7 +2671,7 @@
           <a:p>
             <a:fld id="{750C0A36-AB0E-41AD-8A0A-B030B5844F46}" type="datetimeFigureOut">
               <a:rPr lang="en-US" smtClean="0"/>
-              <a:t>12/10/2019</a:t>
+              <a:t>12/16/2019</a:t>
             </a:fld>
             <a:endParaRPr lang="en-US"/>
           </a:p>
@@ -2912,7 +2912,7 @@
           <a:p>
             <a:fld id="{750C0A36-AB0E-41AD-8A0A-B030B5844F46}" type="datetimeFigureOut">
               <a:rPr lang="en-US" smtClean="0"/>
-              <a:t>12/10/2019</a:t>
+              <a:t>12/16/2019</a:t>
             </a:fld>
             <a:endParaRPr lang="en-US"/>
           </a:p>
@@ -3515,7 +3515,20 @@
           <a:p>
             <a:r>
               <a:rPr lang="en-US" dirty="0"/>
-              <a:t>Unified memory: https://devblogs.nvidia.com/unified-memory-in-cuda-6/</a:t>
+              <a:t>Unified memory: </a:t>
+            </a:r>
+            <a:r>
+              <a:rPr lang="en-US" dirty="0">
+                <a:hlinkClick r:id="rId5"/>
+              </a:rPr>
+              <a:t>https://devblogs.nvidia.com/unified-memory-in-cuda-6/</a:t>
+            </a:r>
+            <a:endParaRPr lang="en-US" dirty="0"/>
+          </a:p>
+          <a:p>
+            <a:r>
+              <a:rPr lang="en-US" dirty="0"/>
+              <a:t>Unified Memory for details: https://devblogs.nvidia.com/unified-memory-cuda-beginners/</a:t>
             </a:r>
           </a:p>
           <a:p>

--- a/Computational books& papers/cuda.pptx
+++ b/Computational books& papers/cuda.pptx
@@ -262,7 +262,7 @@
           <a:p>
             <a:fld id="{750C0A36-AB0E-41AD-8A0A-B030B5844F46}" type="datetimeFigureOut">
               <a:rPr lang="en-US" smtClean="0"/>
-              <a:t>12/16/2019</a:t>
+              <a:t>12/18/2019</a:t>
             </a:fld>
             <a:endParaRPr lang="en-US"/>
           </a:p>
@@ -460,7 +460,7 @@
           <a:p>
             <a:fld id="{750C0A36-AB0E-41AD-8A0A-B030B5844F46}" type="datetimeFigureOut">
               <a:rPr lang="en-US" smtClean="0"/>
-              <a:t>12/16/2019</a:t>
+              <a:t>12/18/2019</a:t>
             </a:fld>
             <a:endParaRPr lang="en-US"/>
           </a:p>
@@ -668,7 +668,7 @@
           <a:p>
             <a:fld id="{750C0A36-AB0E-41AD-8A0A-B030B5844F46}" type="datetimeFigureOut">
               <a:rPr lang="en-US" smtClean="0"/>
-              <a:t>12/16/2019</a:t>
+              <a:t>12/18/2019</a:t>
             </a:fld>
             <a:endParaRPr lang="en-US"/>
           </a:p>
@@ -866,7 +866,7 @@
           <a:p>
             <a:fld id="{750C0A36-AB0E-41AD-8A0A-B030B5844F46}" type="datetimeFigureOut">
               <a:rPr lang="en-US" smtClean="0"/>
-              <a:t>12/16/2019</a:t>
+              <a:t>12/18/2019</a:t>
             </a:fld>
             <a:endParaRPr lang="en-US"/>
           </a:p>
@@ -1141,7 +1141,7 @@
           <a:p>
             <a:fld id="{750C0A36-AB0E-41AD-8A0A-B030B5844F46}" type="datetimeFigureOut">
               <a:rPr lang="en-US" smtClean="0"/>
-              <a:t>12/16/2019</a:t>
+              <a:t>12/18/2019</a:t>
             </a:fld>
             <a:endParaRPr lang="en-US"/>
           </a:p>
@@ -1406,7 +1406,7 @@
           <a:p>
             <a:fld id="{750C0A36-AB0E-41AD-8A0A-B030B5844F46}" type="datetimeFigureOut">
               <a:rPr lang="en-US" smtClean="0"/>
-              <a:t>12/16/2019</a:t>
+              <a:t>12/18/2019</a:t>
             </a:fld>
             <a:endParaRPr lang="en-US"/>
           </a:p>
@@ -1818,7 +1818,7 @@
           <a:p>
             <a:fld id="{750C0A36-AB0E-41AD-8A0A-B030B5844F46}" type="datetimeFigureOut">
               <a:rPr lang="en-US" smtClean="0"/>
-              <a:t>12/16/2019</a:t>
+              <a:t>12/18/2019</a:t>
             </a:fld>
             <a:endParaRPr lang="en-US"/>
           </a:p>
@@ -1959,7 +1959,7 @@
           <a:p>
             <a:fld id="{750C0A36-AB0E-41AD-8A0A-B030B5844F46}" type="datetimeFigureOut">
               <a:rPr lang="en-US" smtClean="0"/>
-              <a:t>12/16/2019</a:t>
+              <a:t>12/18/2019</a:t>
             </a:fld>
             <a:endParaRPr lang="en-US"/>
           </a:p>
@@ -2072,7 +2072,7 @@
           <a:p>
             <a:fld id="{750C0A36-AB0E-41AD-8A0A-B030B5844F46}" type="datetimeFigureOut">
               <a:rPr lang="en-US" smtClean="0"/>
-              <a:t>12/16/2019</a:t>
+              <a:t>12/18/2019</a:t>
             </a:fld>
             <a:endParaRPr lang="en-US"/>
           </a:p>
@@ -2383,7 +2383,7 @@
           <a:p>
             <a:fld id="{750C0A36-AB0E-41AD-8A0A-B030B5844F46}" type="datetimeFigureOut">
               <a:rPr lang="en-US" smtClean="0"/>
-              <a:t>12/16/2019</a:t>
+              <a:t>12/18/2019</a:t>
             </a:fld>
             <a:endParaRPr lang="en-US"/>
           </a:p>
@@ -2671,7 +2671,7 @@
           <a:p>
             <a:fld id="{750C0A36-AB0E-41AD-8A0A-B030B5844F46}" type="datetimeFigureOut">
               <a:rPr lang="en-US" smtClean="0"/>
-              <a:t>12/16/2019</a:t>
+              <a:t>12/18/2019</a:t>
             </a:fld>
             <a:endParaRPr lang="en-US"/>
           </a:p>
@@ -2912,7 +2912,7 @@
           <a:p>
             <a:fld id="{750C0A36-AB0E-41AD-8A0A-B030B5844F46}" type="datetimeFigureOut">
               <a:rPr lang="en-US" smtClean="0"/>
-              <a:t>12/16/2019</a:t>
+              <a:t>12/18/2019</a:t>
             </a:fld>
             <a:endParaRPr lang="en-US"/>
           </a:p>
@@ -3691,7 +3691,10 @@
           <a:bodyPr/>
           <a:lstStyle/>
           <a:p>
-            <a:endParaRPr lang="en-US"/>
+            <a:r>
+              <a:rPr lang="en-US" dirty="0"/>
+              <a:t>Shared memory</a:t>
+            </a:r>
           </a:p>
         </p:txBody>
       </p:sp>
@@ -3716,7 +3719,10 @@
           <a:bodyPr/>
           <a:lstStyle/>
           <a:p>
-            <a:endParaRPr lang="en-US"/>
+            <a:r>
+              <a:rPr lang="en-US"/>
+              <a:t>Shared memory is expected to be much faster than global memory.</a:t>
+            </a:r>
           </a:p>
         </p:txBody>
       </p:sp>

--- a/Computational books& papers/cuda.pptx
+++ b/Computational books& papers/cuda.pptx
@@ -9,6 +9,7 @@
     <p:sldId id="257" r:id="rId3"/>
     <p:sldId id="262" r:id="rId4"/>
     <p:sldId id="263" r:id="rId5"/>
+    <p:sldId id="264" r:id="rId6"/>
   </p:sldIdLst>
   <p:sldSz cx="12192000" cy="6858000"/>
   <p:notesSz cx="6858000" cy="9144000"/>
@@ -262,7 +263,7 @@
           <a:p>
             <a:fld id="{750C0A36-AB0E-41AD-8A0A-B030B5844F46}" type="datetimeFigureOut">
               <a:rPr lang="en-US" smtClean="0"/>
-              <a:t>12/18/2019</a:t>
+              <a:t>12/19/2019</a:t>
             </a:fld>
             <a:endParaRPr lang="en-US"/>
           </a:p>
@@ -460,7 +461,7 @@
           <a:p>
             <a:fld id="{750C0A36-AB0E-41AD-8A0A-B030B5844F46}" type="datetimeFigureOut">
               <a:rPr lang="en-US" smtClean="0"/>
-              <a:t>12/18/2019</a:t>
+              <a:t>12/19/2019</a:t>
             </a:fld>
             <a:endParaRPr lang="en-US"/>
           </a:p>
@@ -668,7 +669,7 @@
           <a:p>
             <a:fld id="{750C0A36-AB0E-41AD-8A0A-B030B5844F46}" type="datetimeFigureOut">
               <a:rPr lang="en-US" smtClean="0"/>
-              <a:t>12/18/2019</a:t>
+              <a:t>12/19/2019</a:t>
             </a:fld>
             <a:endParaRPr lang="en-US"/>
           </a:p>
@@ -866,7 +867,7 @@
           <a:p>
             <a:fld id="{750C0A36-AB0E-41AD-8A0A-B030B5844F46}" type="datetimeFigureOut">
               <a:rPr lang="en-US" smtClean="0"/>
-              <a:t>12/18/2019</a:t>
+              <a:t>12/19/2019</a:t>
             </a:fld>
             <a:endParaRPr lang="en-US"/>
           </a:p>
@@ -1141,7 +1142,7 @@
           <a:p>
             <a:fld id="{750C0A36-AB0E-41AD-8A0A-B030B5844F46}" type="datetimeFigureOut">
               <a:rPr lang="en-US" smtClean="0"/>
-              <a:t>12/18/2019</a:t>
+              <a:t>12/19/2019</a:t>
             </a:fld>
             <a:endParaRPr lang="en-US"/>
           </a:p>
@@ -1406,7 +1407,7 @@
           <a:p>
             <a:fld id="{750C0A36-AB0E-41AD-8A0A-B030B5844F46}" type="datetimeFigureOut">
               <a:rPr lang="en-US" smtClean="0"/>
-              <a:t>12/18/2019</a:t>
+              <a:t>12/19/2019</a:t>
             </a:fld>
             <a:endParaRPr lang="en-US"/>
           </a:p>
@@ -1818,7 +1819,7 @@
           <a:p>
             <a:fld id="{750C0A36-AB0E-41AD-8A0A-B030B5844F46}" type="datetimeFigureOut">
               <a:rPr lang="en-US" smtClean="0"/>
-              <a:t>12/18/2019</a:t>
+              <a:t>12/19/2019</a:t>
             </a:fld>
             <a:endParaRPr lang="en-US"/>
           </a:p>
@@ -1959,7 +1960,7 @@
           <a:p>
             <a:fld id="{750C0A36-AB0E-41AD-8A0A-B030B5844F46}" type="datetimeFigureOut">
               <a:rPr lang="en-US" smtClean="0"/>
-              <a:t>12/18/2019</a:t>
+              <a:t>12/19/2019</a:t>
             </a:fld>
             <a:endParaRPr lang="en-US"/>
           </a:p>
@@ -2072,7 +2073,7 @@
           <a:p>
             <a:fld id="{750C0A36-AB0E-41AD-8A0A-B030B5844F46}" type="datetimeFigureOut">
               <a:rPr lang="en-US" smtClean="0"/>
-              <a:t>12/18/2019</a:t>
+              <a:t>12/19/2019</a:t>
             </a:fld>
             <a:endParaRPr lang="en-US"/>
           </a:p>
@@ -2383,7 +2384,7 @@
           <a:p>
             <a:fld id="{750C0A36-AB0E-41AD-8A0A-B030B5844F46}" type="datetimeFigureOut">
               <a:rPr lang="en-US" smtClean="0"/>
-              <a:t>12/18/2019</a:t>
+              <a:t>12/19/2019</a:t>
             </a:fld>
             <a:endParaRPr lang="en-US"/>
           </a:p>
@@ -2671,7 +2672,7 @@
           <a:p>
             <a:fld id="{750C0A36-AB0E-41AD-8A0A-B030B5844F46}" type="datetimeFigureOut">
               <a:rPr lang="en-US" smtClean="0"/>
-              <a:t>12/18/2019</a:t>
+              <a:t>12/19/2019</a:t>
             </a:fld>
             <a:endParaRPr lang="en-US"/>
           </a:p>
@@ -2912,7 +2913,7 @@
           <a:p>
             <a:fld id="{750C0A36-AB0E-41AD-8A0A-B030B5844F46}" type="datetimeFigureOut">
               <a:rPr lang="en-US" smtClean="0"/>
-              <a:t>12/18/2019</a:t>
+              <a:t>12/19/2019</a:t>
             </a:fld>
             <a:endParaRPr lang="en-US"/>
           </a:p>
@@ -3739,6 +3740,113 @@
 </p:sld>
 </file>
 
+<file path=ppt/slides/slide5.xml><?xml version="1.0" encoding="utf-8"?>
+<p:sld xmlns:a="http://schemas.openxmlformats.org/drawingml/2006/main" xmlns:r="http://schemas.openxmlformats.org/officeDocument/2006/relationships" xmlns:p="http://schemas.openxmlformats.org/presentationml/2006/main">
+  <p:cSld>
+    <p:spTree>
+      <p:nvGrpSpPr>
+        <p:cNvPr id="1" name=""/>
+        <p:cNvGrpSpPr/>
+        <p:nvPr/>
+      </p:nvGrpSpPr>
+      <p:grpSpPr>
+        <a:xfrm>
+          <a:off x="0" y="0"/>
+          <a:ext cx="0" cy="0"/>
+          <a:chOff x="0" y="0"/>
+          <a:chExt cx="0" cy="0"/>
+        </a:xfrm>
+      </p:grpSpPr>
+      <p:sp>
+        <p:nvSpPr>
+          <p:cNvPr id="2" name="Title 1">
+            <a:extLst>
+              <a:ext uri="{FF2B5EF4-FFF2-40B4-BE49-F238E27FC236}">
+                <a16:creationId xmlns:a16="http://schemas.microsoft.com/office/drawing/2014/main" id="{9CB646E3-9B56-435C-A974-0DB31CAD878B}"/>
+              </a:ext>
+            </a:extLst>
+          </p:cNvPr>
+          <p:cNvSpPr>
+            <a:spLocks noGrp="1"/>
+          </p:cNvSpPr>
+          <p:nvPr>
+            <p:ph type="title"/>
+          </p:nvPr>
+        </p:nvSpPr>
+        <p:spPr/>
+        <p:txBody>
+          <a:bodyPr/>
+          <a:lstStyle/>
+          <a:p>
+            <a:r>
+              <a:rPr lang="en-US" dirty="0"/>
+              <a:t>papers</a:t>
+            </a:r>
+          </a:p>
+        </p:txBody>
+      </p:sp>
+      <p:sp>
+        <p:nvSpPr>
+          <p:cNvPr id="3" name="Content Placeholder 2">
+            <a:extLst>
+              <a:ext uri="{FF2B5EF4-FFF2-40B4-BE49-F238E27FC236}">
+                <a16:creationId xmlns:a16="http://schemas.microsoft.com/office/drawing/2014/main" id="{02EF4001-DE68-454A-B44F-55E0C005EF26}"/>
+              </a:ext>
+            </a:extLst>
+          </p:cNvPr>
+          <p:cNvSpPr>
+            <a:spLocks noGrp="1"/>
+          </p:cNvSpPr>
+          <p:nvPr>
+            <p:ph idx="1"/>
+          </p:nvPr>
+        </p:nvSpPr>
+        <p:spPr/>
+        <p:txBody>
+          <a:bodyPr/>
+          <a:lstStyle/>
+          <a:p>
+            <a:r>
+              <a:rPr lang="en-US" dirty="0"/>
+              <a:t>High-performance particle simulation using CUDA: </a:t>
+            </a:r>
+            <a:r>
+              <a:rPr lang="en-US" dirty="0">
+                <a:hlinkClick r:id="rId2"/>
+              </a:rPr>
+              <a:t>http://liu.diva-portal.org/smash/get/diva2:816727/FULLTEXT01.pdf</a:t>
+            </a:r>
+            <a:endParaRPr lang="en-US" dirty="0"/>
+          </a:p>
+          <a:p>
+            <a:r>
+              <a:rPr lang="en-US" dirty="0"/>
+              <a:t>PIC codes in </a:t>
+            </a:r>
+            <a:r>
+              <a:rPr lang="en-US" dirty="0" err="1"/>
+              <a:t>cuda</a:t>
+            </a:r>
+            <a:r>
+              <a:rPr lang="en-US" dirty="0"/>
+              <a:t>: http://www.inesc-id.pt/ficheiros/publicacoes/10974.pdf</a:t>
+            </a:r>
+          </a:p>
+        </p:txBody>
+      </p:sp>
+    </p:spTree>
+    <p:extLst>
+      <p:ext uri="{BB962C8B-B14F-4D97-AF65-F5344CB8AC3E}">
+        <p14:creationId xmlns:p14="http://schemas.microsoft.com/office/powerpoint/2010/main" val="2172429761"/>
+      </p:ext>
+    </p:extLst>
+  </p:cSld>
+  <p:clrMapOvr>
+    <a:masterClrMapping/>
+  </p:clrMapOvr>
+</p:sld>
+</file>
+
 <file path=ppt/theme/theme1.xml><?xml version="1.0" encoding="utf-8"?>
 <a:theme xmlns:a="http://schemas.openxmlformats.org/drawingml/2006/main" name="Office Theme">
   <a:themeElements>

--- a/Computational books& papers/cuda.pptx
+++ b/Computational books& papers/cuda.pptx
@@ -262,7 +262,7 @@
           <a:p>
             <a:fld id="{750C0A36-AB0E-41AD-8A0A-B030B5844F46}" type="datetimeFigureOut">
               <a:rPr lang="en-US" smtClean="0"/>
-              <a:t>12/26/2019</a:t>
+              <a:t>12/27/2019</a:t>
             </a:fld>
             <a:endParaRPr lang="en-US"/>
           </a:p>
@@ -460,7 +460,7 @@
           <a:p>
             <a:fld id="{750C0A36-AB0E-41AD-8A0A-B030B5844F46}" type="datetimeFigureOut">
               <a:rPr lang="en-US" smtClean="0"/>
-              <a:t>12/26/2019</a:t>
+              <a:t>12/27/2019</a:t>
             </a:fld>
             <a:endParaRPr lang="en-US"/>
           </a:p>
@@ -668,7 +668,7 @@
           <a:p>
             <a:fld id="{750C0A36-AB0E-41AD-8A0A-B030B5844F46}" type="datetimeFigureOut">
               <a:rPr lang="en-US" smtClean="0"/>
-              <a:t>12/26/2019</a:t>
+              <a:t>12/27/2019</a:t>
             </a:fld>
             <a:endParaRPr lang="en-US"/>
           </a:p>
@@ -866,7 +866,7 @@
           <a:p>
             <a:fld id="{750C0A36-AB0E-41AD-8A0A-B030B5844F46}" type="datetimeFigureOut">
               <a:rPr lang="en-US" smtClean="0"/>
-              <a:t>12/26/2019</a:t>
+              <a:t>12/27/2019</a:t>
             </a:fld>
             <a:endParaRPr lang="en-US"/>
           </a:p>
@@ -1141,7 +1141,7 @@
           <a:p>
             <a:fld id="{750C0A36-AB0E-41AD-8A0A-B030B5844F46}" type="datetimeFigureOut">
               <a:rPr lang="en-US" smtClean="0"/>
-              <a:t>12/26/2019</a:t>
+              <a:t>12/27/2019</a:t>
             </a:fld>
             <a:endParaRPr lang="en-US"/>
           </a:p>
@@ -1406,7 +1406,7 @@
           <a:p>
             <a:fld id="{750C0A36-AB0E-41AD-8A0A-B030B5844F46}" type="datetimeFigureOut">
               <a:rPr lang="en-US" smtClean="0"/>
-              <a:t>12/26/2019</a:t>
+              <a:t>12/27/2019</a:t>
             </a:fld>
             <a:endParaRPr lang="en-US"/>
           </a:p>
@@ -1818,7 +1818,7 @@
           <a:p>
             <a:fld id="{750C0A36-AB0E-41AD-8A0A-B030B5844F46}" type="datetimeFigureOut">
               <a:rPr lang="en-US" smtClean="0"/>
-              <a:t>12/26/2019</a:t>
+              <a:t>12/27/2019</a:t>
             </a:fld>
             <a:endParaRPr lang="en-US"/>
           </a:p>
@@ -1959,7 +1959,7 @@
           <a:p>
             <a:fld id="{750C0A36-AB0E-41AD-8A0A-B030B5844F46}" type="datetimeFigureOut">
               <a:rPr lang="en-US" smtClean="0"/>
-              <a:t>12/26/2019</a:t>
+              <a:t>12/27/2019</a:t>
             </a:fld>
             <a:endParaRPr lang="en-US"/>
           </a:p>
@@ -2072,7 +2072,7 @@
           <a:p>
             <a:fld id="{750C0A36-AB0E-41AD-8A0A-B030B5844F46}" type="datetimeFigureOut">
               <a:rPr lang="en-US" smtClean="0"/>
-              <a:t>12/26/2019</a:t>
+              <a:t>12/27/2019</a:t>
             </a:fld>
             <a:endParaRPr lang="en-US"/>
           </a:p>
@@ -2383,7 +2383,7 @@
           <a:p>
             <a:fld id="{750C0A36-AB0E-41AD-8A0A-B030B5844F46}" type="datetimeFigureOut">
               <a:rPr lang="en-US" smtClean="0"/>
-              <a:t>12/26/2019</a:t>
+              <a:t>12/27/2019</a:t>
             </a:fld>
             <a:endParaRPr lang="en-US"/>
           </a:p>
@@ -2671,7 +2671,7 @@
           <a:p>
             <a:fld id="{750C0A36-AB0E-41AD-8A0A-B030B5844F46}" type="datetimeFigureOut">
               <a:rPr lang="en-US" smtClean="0"/>
-              <a:t>12/26/2019</a:t>
+              <a:t>12/27/2019</a:t>
             </a:fld>
             <a:endParaRPr lang="en-US"/>
           </a:p>
@@ -2912,7 +2912,7 @@
           <a:p>
             <a:fld id="{750C0A36-AB0E-41AD-8A0A-B030B5844F46}" type="datetimeFigureOut">
               <a:rPr lang="en-US" smtClean="0"/>
-              <a:t>12/26/2019</a:t>
+              <a:t>12/27/2019</a:t>
             </a:fld>
             <a:endParaRPr lang="en-US"/>
           </a:p>
@@ -3628,8 +3628,14 @@
           <a:lstStyle/>
           <a:p>
             <a:r>
-              <a:rPr lang="en-US"/>
+              <a:rPr lang="en-US" dirty="0"/>
               <a:t>Shared memory is expected to be much faster than global memory.</a:t>
+            </a:r>
+          </a:p>
+          <a:p>
+            <a:r>
+              <a:rPr lang="en-US"/>
+              <a:t>https://www.jianshu.com/p/3d4c9cc3a777</a:t>
             </a:r>
           </a:p>
         </p:txBody>
